--- a/docs/presentations/Presentation1.pptx
+++ b/docs/presentations/Presentation1.pptx
@@ -106,6 +106,11 @@
       </a:defRPr>
     </a:lvl9pPr>
   </p:defaultTextStyle>
+  <p:extLst>
+    <p:ext uri="{EFAFB233-063F-42B5-8137-9DF3F51BA10A}">
+      <p15:sldGuideLst xmlns:p15="http://schemas.microsoft.com/office/powerpoint/2012/main"/>
+    </p:ext>
+  </p:extLst>
 </p:presentation>
 </file>
 
@@ -4807,7 +4812,7 @@
       </p:grpSpPr>
       <p:grpSp>
         <p:nvGrpSpPr>
-          <p:cNvPr id="104" name="Group 103"/>
+          <p:cNvPr id="15" name="Group 14"/>
           <p:cNvGrpSpPr/>
           <p:nvPr/>
         </p:nvGrpSpPr>
@@ -4819,937 +4824,1034 @@
             <a:chExt cx="5803035" cy="6541099"/>
           </a:xfrm>
         </p:grpSpPr>
-        <p:sp>
-          <p:nvSpPr>
-            <p:cNvPr id="6" name="Oval 5"/>
-            <p:cNvSpPr>
-              <a:spLocks noChangeAspect="1"/>
-            </p:cNvSpPr>
+        <p:grpSp>
+          <p:nvGrpSpPr>
+            <p:cNvPr id="104" name="Group 103"/>
+            <p:cNvGrpSpPr/>
             <p:nvPr/>
-          </p:nvSpPr>
-          <p:spPr>
+          </p:nvGrpSpPr>
+          <p:grpSpPr>
             <a:xfrm>
-              <a:off x="6979787" y="775779"/>
-              <a:ext cx="108000" cy="108000"/>
+              <a:off x="2143550" y="18932"/>
+              <a:ext cx="5803035" cy="6541099"/>
+              <a:chOff x="2143550" y="18932"/>
+              <a:chExt cx="5803035" cy="6541099"/>
             </a:xfrm>
-            <a:prstGeom prst="ellipse">
-              <a:avLst/>
-            </a:prstGeom>
-          </p:spPr>
-          <p:style>
-            <a:lnRef idx="2">
-              <a:schemeClr val="accent1">
-                <a:shade val="50000"/>
-              </a:schemeClr>
-            </a:lnRef>
-            <a:fillRef idx="1">
-              <a:schemeClr val="accent1"/>
-            </a:fillRef>
-            <a:effectRef idx="0">
-              <a:schemeClr val="accent1"/>
-            </a:effectRef>
-            <a:fontRef idx="minor">
-              <a:schemeClr val="lt1"/>
-            </a:fontRef>
-          </p:style>
-          <p:txBody>
-            <a:bodyPr rtlCol="0" anchor="ctr"/>
-            <a:lstStyle/>
-            <a:p>
-              <a:pPr algn="ctr"/>
-              <a:endParaRPr lang="en-US"/>
-            </a:p>
-          </p:txBody>
-        </p:sp>
-        <p:sp>
-          <p:nvSpPr>
-            <p:cNvPr id="4" name="Oval 3"/>
-            <p:cNvSpPr>
-              <a:spLocks noChangeAspect="1"/>
-            </p:cNvSpPr>
-            <p:nvPr/>
-          </p:nvSpPr>
-          <p:spPr>
-            <a:xfrm>
-              <a:off x="2912950" y="750750"/>
-              <a:ext cx="108000" cy="108000"/>
-            </a:xfrm>
-            <a:prstGeom prst="ellipse">
-              <a:avLst/>
-            </a:prstGeom>
-          </p:spPr>
-          <p:style>
-            <a:lnRef idx="2">
-              <a:schemeClr val="accent1">
-                <a:shade val="50000"/>
-              </a:schemeClr>
-            </a:lnRef>
-            <a:fillRef idx="1">
-              <a:schemeClr val="accent1"/>
-            </a:fillRef>
-            <a:effectRef idx="0">
-              <a:schemeClr val="accent1"/>
-            </a:effectRef>
-            <a:fontRef idx="minor">
-              <a:schemeClr val="lt1"/>
-            </a:fontRef>
-          </p:style>
-          <p:txBody>
-            <a:bodyPr rtlCol="0" anchor="ctr"/>
-            <a:lstStyle/>
-            <a:p>
-              <a:pPr algn="ctr"/>
-              <a:endParaRPr lang="en-US"/>
-            </a:p>
-          </p:txBody>
-        </p:sp>
+          </p:grpSpPr>
+          <p:sp>
+            <p:nvSpPr>
+              <p:cNvPr id="6" name="Oval 5"/>
+              <p:cNvSpPr>
+                <a:spLocks noChangeAspect="1"/>
+              </p:cNvSpPr>
+              <p:nvPr/>
+            </p:nvSpPr>
+            <p:spPr>
+              <a:xfrm>
+                <a:off x="6979787" y="775779"/>
+                <a:ext cx="108000" cy="108000"/>
+              </a:xfrm>
+              <a:prstGeom prst="ellipse">
+                <a:avLst/>
+              </a:prstGeom>
+            </p:spPr>
+            <p:style>
+              <a:lnRef idx="2">
+                <a:schemeClr val="accent1">
+                  <a:shade val="50000"/>
+                </a:schemeClr>
+              </a:lnRef>
+              <a:fillRef idx="1">
+                <a:schemeClr val="accent1"/>
+              </a:fillRef>
+              <a:effectRef idx="0">
+                <a:schemeClr val="accent1"/>
+              </a:effectRef>
+              <a:fontRef idx="minor">
+                <a:schemeClr val="lt1"/>
+              </a:fontRef>
+            </p:style>
+            <p:txBody>
+              <a:bodyPr rtlCol="0" anchor="ctr"/>
+              <a:lstStyle/>
+              <a:p>
+                <a:pPr algn="ctr"/>
+                <a:endParaRPr lang="en-US"/>
+              </a:p>
+            </p:txBody>
+          </p:sp>
+          <p:sp>
+            <p:nvSpPr>
+              <p:cNvPr id="4" name="Oval 3"/>
+              <p:cNvSpPr>
+                <a:spLocks noChangeAspect="1"/>
+              </p:cNvSpPr>
+              <p:nvPr/>
+            </p:nvSpPr>
+            <p:spPr>
+              <a:xfrm>
+                <a:off x="2912950" y="750750"/>
+                <a:ext cx="108000" cy="108000"/>
+              </a:xfrm>
+              <a:prstGeom prst="ellipse">
+                <a:avLst/>
+              </a:prstGeom>
+            </p:spPr>
+            <p:style>
+              <a:lnRef idx="2">
+                <a:schemeClr val="accent1">
+                  <a:shade val="50000"/>
+                </a:schemeClr>
+              </a:lnRef>
+              <a:fillRef idx="1">
+                <a:schemeClr val="accent1"/>
+              </a:fillRef>
+              <a:effectRef idx="0">
+                <a:schemeClr val="accent1"/>
+              </a:effectRef>
+              <a:fontRef idx="minor">
+                <a:schemeClr val="lt1"/>
+              </a:fontRef>
+            </p:style>
+            <p:txBody>
+              <a:bodyPr rtlCol="0" anchor="ctr"/>
+              <a:lstStyle/>
+              <a:p>
+                <a:pPr algn="ctr"/>
+                <a:endParaRPr lang="en-US"/>
+              </a:p>
+            </p:txBody>
+          </p:sp>
+          <p:pic>
+            <p:nvPicPr>
+              <p:cNvPr id="61" name="Picture 60"/>
+              <p:cNvPicPr>
+                <a:picLocks noChangeAspect="1"/>
+              </p:cNvPicPr>
+              <p:nvPr/>
+            </p:nvPicPr>
+            <p:blipFill>
+              <a:blip r:embed="rId2"/>
+              <a:stretch>
+                <a:fillRect/>
+              </a:stretch>
+            </p:blipFill>
+            <p:spPr>
+              <a:xfrm>
+                <a:off x="2143550" y="556170"/>
+                <a:ext cx="787400" cy="165100"/>
+              </a:xfrm>
+              <a:prstGeom prst="rect">
+                <a:avLst/>
+              </a:prstGeom>
+            </p:spPr>
+          </p:pic>
+          <p:sp>
+            <p:nvSpPr>
+              <p:cNvPr id="5" name="Oval 4"/>
+              <p:cNvSpPr>
+                <a:spLocks noChangeAspect="1"/>
+              </p:cNvSpPr>
+              <p:nvPr/>
+            </p:nvSpPr>
+            <p:spPr>
+              <a:xfrm>
+                <a:off x="4915154" y="776150"/>
+                <a:ext cx="108000" cy="108000"/>
+              </a:xfrm>
+              <a:prstGeom prst="ellipse">
+                <a:avLst/>
+              </a:prstGeom>
+            </p:spPr>
+            <p:style>
+              <a:lnRef idx="2">
+                <a:schemeClr val="accent1">
+                  <a:shade val="50000"/>
+                </a:schemeClr>
+              </a:lnRef>
+              <a:fillRef idx="1">
+                <a:schemeClr val="accent1"/>
+              </a:fillRef>
+              <a:effectRef idx="0">
+                <a:schemeClr val="accent1"/>
+              </a:effectRef>
+              <a:fontRef idx="minor">
+                <a:schemeClr val="lt1"/>
+              </a:fontRef>
+            </p:style>
+            <p:txBody>
+              <a:bodyPr rtlCol="0" anchor="ctr"/>
+              <a:lstStyle/>
+              <a:p>
+                <a:pPr algn="ctr"/>
+                <a:endParaRPr lang="en-US"/>
+              </a:p>
+            </p:txBody>
+          </p:sp>
+          <p:pic>
+            <p:nvPicPr>
+              <p:cNvPr id="57" name="Picture 56"/>
+              <p:cNvPicPr>
+                <a:picLocks noChangeAspect="1"/>
+              </p:cNvPicPr>
+              <p:nvPr/>
+            </p:nvPicPr>
+            <p:blipFill>
+              <a:blip r:embed="rId3"/>
+              <a:stretch>
+                <a:fillRect/>
+              </a:stretch>
+            </p:blipFill>
+            <p:spPr>
+              <a:xfrm>
+                <a:off x="4742136" y="581570"/>
+                <a:ext cx="520700" cy="165100"/>
+              </a:xfrm>
+              <a:prstGeom prst="rect">
+                <a:avLst/>
+              </a:prstGeom>
+            </p:spPr>
+          </p:pic>
+          <p:pic>
+            <p:nvPicPr>
+              <p:cNvPr id="60" name="Picture 59"/>
+              <p:cNvPicPr>
+                <a:picLocks noChangeAspect="1"/>
+              </p:cNvPicPr>
+              <p:nvPr/>
+            </p:nvPicPr>
+            <p:blipFill>
+              <a:blip r:embed="rId4"/>
+              <a:stretch>
+                <a:fillRect/>
+              </a:stretch>
+            </p:blipFill>
+            <p:spPr>
+              <a:xfrm>
+                <a:off x="7118775" y="601545"/>
+                <a:ext cx="787400" cy="165100"/>
+              </a:xfrm>
+              <a:prstGeom prst="rect">
+                <a:avLst/>
+              </a:prstGeom>
+            </p:spPr>
+          </p:pic>
+          <p:sp>
+            <p:nvSpPr>
+              <p:cNvPr id="11" name="Oval 10"/>
+              <p:cNvSpPr>
+                <a:spLocks noChangeAspect="1"/>
+              </p:cNvSpPr>
+              <p:nvPr/>
+            </p:nvSpPr>
+            <p:spPr>
+              <a:xfrm>
+                <a:off x="2912950" y="4862755"/>
+                <a:ext cx="108000" cy="108000"/>
+              </a:xfrm>
+              <a:prstGeom prst="ellipse">
+                <a:avLst/>
+              </a:prstGeom>
+            </p:spPr>
+            <p:style>
+              <a:lnRef idx="2">
+                <a:schemeClr val="accent1">
+                  <a:shade val="50000"/>
+                </a:schemeClr>
+              </a:lnRef>
+              <a:fillRef idx="1">
+                <a:schemeClr val="accent1"/>
+              </a:fillRef>
+              <a:effectRef idx="0">
+                <a:schemeClr val="accent1"/>
+              </a:effectRef>
+              <a:fontRef idx="minor">
+                <a:schemeClr val="lt1"/>
+              </a:fontRef>
+            </p:style>
+            <p:txBody>
+              <a:bodyPr rtlCol="0" anchor="ctr"/>
+              <a:lstStyle/>
+              <a:p>
+                <a:pPr algn="ctr"/>
+                <a:endParaRPr lang="en-US"/>
+              </a:p>
+            </p:txBody>
+          </p:sp>
+          <p:pic>
+            <p:nvPicPr>
+              <p:cNvPr id="63" name="Picture 62"/>
+              <p:cNvPicPr>
+                <a:picLocks noChangeAspect="1"/>
+              </p:cNvPicPr>
+              <p:nvPr/>
+            </p:nvPicPr>
+            <p:blipFill>
+              <a:blip r:embed="rId5"/>
+              <a:stretch>
+                <a:fillRect/>
+              </a:stretch>
+            </p:blipFill>
+            <p:spPr>
+              <a:xfrm>
+                <a:off x="2143550" y="4692954"/>
+                <a:ext cx="787400" cy="165100"/>
+              </a:xfrm>
+              <a:prstGeom prst="rect">
+                <a:avLst/>
+              </a:prstGeom>
+            </p:spPr>
+          </p:pic>
+          <p:sp>
+            <p:nvSpPr>
+              <p:cNvPr id="12" name="Oval 11"/>
+              <p:cNvSpPr>
+                <a:spLocks noChangeAspect="1"/>
+              </p:cNvSpPr>
+              <p:nvPr/>
+            </p:nvSpPr>
+            <p:spPr>
+              <a:xfrm>
+                <a:off x="4915154" y="4888155"/>
+                <a:ext cx="108000" cy="108000"/>
+              </a:xfrm>
+              <a:prstGeom prst="ellipse">
+                <a:avLst/>
+              </a:prstGeom>
+            </p:spPr>
+            <p:style>
+              <a:lnRef idx="2">
+                <a:schemeClr val="accent1">
+                  <a:shade val="50000"/>
+                </a:schemeClr>
+              </a:lnRef>
+              <a:fillRef idx="1">
+                <a:schemeClr val="accent1"/>
+              </a:fillRef>
+              <a:effectRef idx="0">
+                <a:schemeClr val="accent1"/>
+              </a:effectRef>
+              <a:fontRef idx="minor">
+                <a:schemeClr val="lt1"/>
+              </a:fontRef>
+            </p:style>
+            <p:txBody>
+              <a:bodyPr rtlCol="0" anchor="ctr"/>
+              <a:lstStyle/>
+              <a:p>
+                <a:pPr algn="ctr"/>
+                <a:endParaRPr lang="en-US"/>
+              </a:p>
+            </p:txBody>
+          </p:sp>
+          <p:pic>
+            <p:nvPicPr>
+              <p:cNvPr id="64" name="Picture 63"/>
+              <p:cNvPicPr>
+                <a:picLocks noChangeAspect="1"/>
+              </p:cNvPicPr>
+              <p:nvPr/>
+            </p:nvPicPr>
+            <p:blipFill>
+              <a:blip r:embed="rId6"/>
+              <a:stretch>
+                <a:fillRect/>
+              </a:stretch>
+            </p:blipFill>
+            <p:spPr>
+              <a:xfrm>
+                <a:off x="4742136" y="4718354"/>
+                <a:ext cx="520700" cy="165100"/>
+              </a:xfrm>
+              <a:prstGeom prst="rect">
+                <a:avLst/>
+              </a:prstGeom>
+            </p:spPr>
+          </p:pic>
+          <p:sp>
+            <p:nvSpPr>
+              <p:cNvPr id="13" name="Oval 12"/>
+              <p:cNvSpPr>
+                <a:spLocks noChangeAspect="1"/>
+              </p:cNvSpPr>
+              <p:nvPr/>
+            </p:nvSpPr>
+            <p:spPr>
+              <a:xfrm>
+                <a:off x="6958622" y="4908130"/>
+                <a:ext cx="108000" cy="108000"/>
+              </a:xfrm>
+              <a:prstGeom prst="ellipse">
+                <a:avLst/>
+              </a:prstGeom>
+            </p:spPr>
+            <p:style>
+              <a:lnRef idx="2">
+                <a:schemeClr val="accent1">
+                  <a:shade val="50000"/>
+                </a:schemeClr>
+              </a:lnRef>
+              <a:fillRef idx="1">
+                <a:schemeClr val="accent1"/>
+              </a:fillRef>
+              <a:effectRef idx="0">
+                <a:schemeClr val="accent1"/>
+              </a:effectRef>
+              <a:fontRef idx="minor">
+                <a:schemeClr val="lt1"/>
+              </a:fontRef>
+            </p:style>
+            <p:txBody>
+              <a:bodyPr rtlCol="0" anchor="ctr"/>
+              <a:lstStyle/>
+              <a:p>
+                <a:pPr algn="ctr"/>
+                <a:endParaRPr lang="en-US"/>
+              </a:p>
+            </p:txBody>
+          </p:sp>
+          <p:pic>
+            <p:nvPicPr>
+              <p:cNvPr id="65" name="Picture 64"/>
+              <p:cNvPicPr>
+                <a:picLocks noChangeAspect="1"/>
+              </p:cNvPicPr>
+              <p:nvPr/>
+            </p:nvPicPr>
+            <p:blipFill>
+              <a:blip r:embed="rId7"/>
+              <a:stretch>
+                <a:fillRect/>
+              </a:stretch>
+            </p:blipFill>
+            <p:spPr>
+              <a:xfrm>
+                <a:off x="7118775" y="4738329"/>
+                <a:ext cx="787400" cy="165100"/>
+              </a:xfrm>
+              <a:prstGeom prst="rect">
+                <a:avLst/>
+              </a:prstGeom>
+            </p:spPr>
+          </p:pic>
+          <p:sp>
+            <p:nvSpPr>
+              <p:cNvPr id="8" name="Oval 7"/>
+              <p:cNvSpPr>
+                <a:spLocks noChangeAspect="1"/>
+              </p:cNvSpPr>
+              <p:nvPr/>
+            </p:nvSpPr>
+            <p:spPr>
+              <a:xfrm>
+                <a:off x="2912950" y="2809154"/>
+                <a:ext cx="108000" cy="108000"/>
+              </a:xfrm>
+              <a:prstGeom prst="ellipse">
+                <a:avLst/>
+              </a:prstGeom>
+            </p:spPr>
+            <p:style>
+              <a:lnRef idx="2">
+                <a:schemeClr val="accent1">
+                  <a:shade val="50000"/>
+                </a:schemeClr>
+              </a:lnRef>
+              <a:fillRef idx="1">
+                <a:schemeClr val="accent1"/>
+              </a:fillRef>
+              <a:effectRef idx="0">
+                <a:schemeClr val="accent1"/>
+              </a:effectRef>
+              <a:fontRef idx="minor">
+                <a:schemeClr val="lt1"/>
+              </a:fontRef>
+            </p:style>
+            <p:txBody>
+              <a:bodyPr rtlCol="0" anchor="ctr"/>
+              <a:lstStyle/>
+              <a:p>
+                <a:pPr algn="ctr"/>
+                <a:endParaRPr lang="en-US"/>
+              </a:p>
+            </p:txBody>
+          </p:sp>
+          <p:pic>
+            <p:nvPicPr>
+              <p:cNvPr id="62" name="Picture 61"/>
+              <p:cNvPicPr>
+                <a:picLocks noChangeAspect="1"/>
+              </p:cNvPicPr>
+              <p:nvPr/>
+            </p:nvPicPr>
+            <p:blipFill>
+              <a:blip r:embed="rId8"/>
+              <a:stretch>
+                <a:fillRect/>
+              </a:stretch>
+            </p:blipFill>
+            <p:spPr>
+              <a:xfrm>
+                <a:off x="2410250" y="2623240"/>
+                <a:ext cx="520700" cy="165100"/>
+              </a:xfrm>
+              <a:prstGeom prst="rect">
+                <a:avLst/>
+              </a:prstGeom>
+            </p:spPr>
+          </p:pic>
+          <p:sp>
+            <p:nvSpPr>
+              <p:cNvPr id="9" name="Oval 8"/>
+              <p:cNvSpPr>
+                <a:spLocks noChangeAspect="1"/>
+              </p:cNvSpPr>
+              <p:nvPr/>
+            </p:nvSpPr>
+            <p:spPr>
+              <a:xfrm>
+                <a:off x="4915154" y="2834554"/>
+                <a:ext cx="108000" cy="108000"/>
+              </a:xfrm>
+              <a:prstGeom prst="ellipse">
+                <a:avLst/>
+              </a:prstGeom>
+            </p:spPr>
+            <p:style>
+              <a:lnRef idx="2">
+                <a:schemeClr val="accent1">
+                  <a:shade val="50000"/>
+                </a:schemeClr>
+              </a:lnRef>
+              <a:fillRef idx="1">
+                <a:schemeClr val="accent1"/>
+              </a:fillRef>
+              <a:effectRef idx="0">
+                <a:schemeClr val="accent1"/>
+              </a:effectRef>
+              <a:fontRef idx="minor">
+                <a:schemeClr val="lt1"/>
+              </a:fontRef>
+            </p:style>
+            <p:txBody>
+              <a:bodyPr rtlCol="0" anchor="ctr"/>
+              <a:lstStyle/>
+              <a:p>
+                <a:pPr algn="ctr"/>
+                <a:endParaRPr lang="en-US"/>
+              </a:p>
+            </p:txBody>
+          </p:sp>
+          <p:pic>
+            <p:nvPicPr>
+              <p:cNvPr id="58" name="Picture 57"/>
+              <p:cNvPicPr>
+                <a:picLocks noChangeAspect="1"/>
+              </p:cNvPicPr>
+              <p:nvPr/>
+            </p:nvPicPr>
+            <p:blipFill>
+              <a:blip r:embed="rId9"/>
+              <a:stretch>
+                <a:fillRect/>
+              </a:stretch>
+            </p:blipFill>
+            <p:spPr>
+              <a:xfrm>
+                <a:off x="4825956" y="2648640"/>
+                <a:ext cx="254000" cy="165100"/>
+              </a:xfrm>
+              <a:prstGeom prst="rect">
+                <a:avLst/>
+              </a:prstGeom>
+            </p:spPr>
+          </p:pic>
+          <p:sp>
+            <p:nvSpPr>
+              <p:cNvPr id="10" name="Oval 9"/>
+              <p:cNvSpPr>
+                <a:spLocks noChangeAspect="1"/>
+              </p:cNvSpPr>
+              <p:nvPr/>
+            </p:nvSpPr>
+            <p:spPr>
+              <a:xfrm>
+                <a:off x="6958622" y="2854529"/>
+                <a:ext cx="108000" cy="108000"/>
+              </a:xfrm>
+              <a:prstGeom prst="ellipse">
+                <a:avLst/>
+              </a:prstGeom>
+            </p:spPr>
+            <p:style>
+              <a:lnRef idx="2">
+                <a:schemeClr val="accent1">
+                  <a:shade val="50000"/>
+                </a:schemeClr>
+              </a:lnRef>
+              <a:fillRef idx="1">
+                <a:schemeClr val="accent1"/>
+              </a:fillRef>
+              <a:effectRef idx="0">
+                <a:schemeClr val="accent1"/>
+              </a:effectRef>
+              <a:fontRef idx="minor">
+                <a:schemeClr val="lt1"/>
+              </a:fontRef>
+            </p:style>
+            <p:txBody>
+              <a:bodyPr rtlCol="0" anchor="ctr"/>
+              <a:lstStyle/>
+              <a:p>
+                <a:pPr algn="ctr"/>
+                <a:endParaRPr lang="en-US"/>
+              </a:p>
+            </p:txBody>
+          </p:sp>
+          <p:pic>
+            <p:nvPicPr>
+              <p:cNvPr id="66" name="Picture 65"/>
+              <p:cNvPicPr>
+                <a:picLocks noChangeAspect="1"/>
+              </p:cNvPicPr>
+              <p:nvPr/>
+            </p:nvPicPr>
+            <p:blipFill>
+              <a:blip r:embed="rId10"/>
+              <a:stretch>
+                <a:fillRect/>
+              </a:stretch>
+            </p:blipFill>
+            <p:spPr>
+              <a:xfrm>
+                <a:off x="7385475" y="2676063"/>
+                <a:ext cx="520700" cy="157652"/>
+              </a:xfrm>
+              <a:prstGeom prst="rect">
+                <a:avLst/>
+              </a:prstGeom>
+            </p:spPr>
+          </p:pic>
+          <p:cxnSp>
+            <p:nvCxnSpPr>
+              <p:cNvPr id="20" name="Straight Connector 19"/>
+              <p:cNvCxnSpPr>
+                <a:cxnSpLocks/>
+              </p:cNvCxnSpPr>
+              <p:nvPr/>
+            </p:nvCxnSpPr>
+            <p:spPr>
+              <a:xfrm flipV="1">
+                <a:off x="4967587" y="18932"/>
+                <a:ext cx="2880000" cy="2880000"/>
+              </a:xfrm>
+              <a:prstGeom prst="line">
+                <a:avLst/>
+              </a:prstGeom>
+              <a:ln>
+                <a:solidFill>
+                  <a:schemeClr val="tx1"/>
+                </a:solidFill>
+                <a:prstDash val="dashDot"/>
+                <a:tailEnd type="arrow"/>
+              </a:ln>
+            </p:spPr>
+            <p:style>
+              <a:lnRef idx="1">
+                <a:schemeClr val="accent1"/>
+              </a:lnRef>
+              <a:fillRef idx="0">
+                <a:schemeClr val="accent1"/>
+              </a:fillRef>
+              <a:effectRef idx="0">
+                <a:schemeClr val="accent1"/>
+              </a:effectRef>
+              <a:fontRef idx="minor">
+                <a:schemeClr val="tx1"/>
+              </a:fontRef>
+            </p:style>
+          </p:cxnSp>
+          <p:cxnSp>
+            <p:nvCxnSpPr>
+              <p:cNvPr id="82" name="Straight Connector 81"/>
+              <p:cNvCxnSpPr>
+                <a:cxnSpLocks/>
+              </p:cNvCxnSpPr>
+              <p:nvPr/>
+            </p:nvCxnSpPr>
+            <p:spPr>
+              <a:xfrm>
+                <a:off x="4964985" y="2897788"/>
+                <a:ext cx="2880000" cy="2880000"/>
+              </a:xfrm>
+              <a:prstGeom prst="line">
+                <a:avLst/>
+              </a:prstGeom>
+              <a:ln>
+                <a:solidFill>
+                  <a:schemeClr val="tx1"/>
+                </a:solidFill>
+                <a:prstDash val="dashDot"/>
+                <a:tailEnd type="arrow"/>
+              </a:ln>
+            </p:spPr>
+            <p:style>
+              <a:lnRef idx="1">
+                <a:schemeClr val="accent1"/>
+              </a:lnRef>
+              <a:fillRef idx="0">
+                <a:schemeClr val="accent1"/>
+              </a:fillRef>
+              <a:effectRef idx="0">
+                <a:schemeClr val="accent1"/>
+              </a:effectRef>
+              <a:fontRef idx="minor">
+                <a:schemeClr val="tx1"/>
+              </a:fontRef>
+            </p:style>
+          </p:cxnSp>
+          <p:pic>
+            <p:nvPicPr>
+              <p:cNvPr id="83" name="Picture 82"/>
+              <p:cNvPicPr>
+                <a:picLocks noChangeAspect="1"/>
+              </p:cNvPicPr>
+              <p:nvPr/>
+            </p:nvPicPr>
+            <p:blipFill>
+              <a:blip r:embed="rId11"/>
+              <a:stretch>
+                <a:fillRect/>
+              </a:stretch>
+            </p:blipFill>
+            <p:spPr>
+              <a:xfrm>
+                <a:off x="7743385" y="134667"/>
+                <a:ext cx="203200" cy="203200"/>
+              </a:xfrm>
+              <a:prstGeom prst="rect">
+                <a:avLst/>
+              </a:prstGeom>
+            </p:spPr>
+          </p:pic>
+          <p:pic>
+            <p:nvPicPr>
+              <p:cNvPr id="84" name="Picture 83"/>
+              <p:cNvPicPr>
+                <a:picLocks noChangeAspect="1"/>
+              </p:cNvPicPr>
+              <p:nvPr/>
+            </p:nvPicPr>
+            <p:blipFill>
+              <a:blip r:embed="rId12"/>
+              <a:stretch>
+                <a:fillRect/>
+              </a:stretch>
+            </p:blipFill>
+            <p:spPr>
+              <a:xfrm>
+                <a:off x="7482754" y="5634933"/>
+                <a:ext cx="177800" cy="203200"/>
+              </a:xfrm>
+              <a:prstGeom prst="rect">
+                <a:avLst/>
+              </a:prstGeom>
+            </p:spPr>
+          </p:pic>
+          <p:sp>
+            <p:nvSpPr>
+              <p:cNvPr id="86" name="5-Point Star 85"/>
+              <p:cNvSpPr/>
+              <p:nvPr/>
+            </p:nvSpPr>
+            <p:spPr>
+              <a:xfrm>
+                <a:off x="3868843" y="1776914"/>
+                <a:ext cx="108000" cy="108000"/>
+              </a:xfrm>
+              <a:prstGeom prst="star5">
+                <a:avLst/>
+              </a:prstGeom>
+            </p:spPr>
+            <p:style>
+              <a:lnRef idx="2">
+                <a:schemeClr val="accent1">
+                  <a:shade val="50000"/>
+                </a:schemeClr>
+              </a:lnRef>
+              <a:fillRef idx="1">
+                <a:schemeClr val="accent1"/>
+              </a:fillRef>
+              <a:effectRef idx="0">
+                <a:schemeClr val="accent1"/>
+              </a:effectRef>
+              <a:fontRef idx="minor">
+                <a:schemeClr val="lt1"/>
+              </a:fontRef>
+            </p:style>
+            <p:txBody>
+              <a:bodyPr rtlCol="0" anchor="ctr"/>
+              <a:lstStyle/>
+              <a:p>
+                <a:pPr algn="ctr"/>
+                <a:endParaRPr lang="en-US"/>
+              </a:p>
+            </p:txBody>
+          </p:sp>
+          <p:sp>
+            <p:nvSpPr>
+              <p:cNvPr id="94" name="5-Point Star 93"/>
+              <p:cNvSpPr/>
+              <p:nvPr/>
+            </p:nvSpPr>
+            <p:spPr>
+              <a:xfrm>
+                <a:off x="3868843" y="3819074"/>
+                <a:ext cx="108000" cy="108000"/>
+              </a:xfrm>
+              <a:prstGeom prst="star5">
+                <a:avLst/>
+              </a:prstGeom>
+            </p:spPr>
+            <p:style>
+              <a:lnRef idx="2">
+                <a:schemeClr val="accent1">
+                  <a:shade val="50000"/>
+                </a:schemeClr>
+              </a:lnRef>
+              <a:fillRef idx="1">
+                <a:schemeClr val="accent1"/>
+              </a:fillRef>
+              <a:effectRef idx="0">
+                <a:schemeClr val="accent1"/>
+              </a:effectRef>
+              <a:fontRef idx="minor">
+                <a:schemeClr val="lt1"/>
+              </a:fontRef>
+            </p:style>
+            <p:txBody>
+              <a:bodyPr rtlCol="0" anchor="ctr"/>
+              <a:lstStyle/>
+              <a:p>
+                <a:pPr algn="ctr"/>
+                <a:endParaRPr lang="en-US"/>
+              </a:p>
+            </p:txBody>
+          </p:sp>
+          <p:sp>
+            <p:nvSpPr>
+              <p:cNvPr id="95" name="5-Point Star 94"/>
+              <p:cNvSpPr/>
+              <p:nvPr/>
+            </p:nvSpPr>
+            <p:spPr>
+              <a:xfrm>
+                <a:off x="5961803" y="3819074"/>
+                <a:ext cx="108000" cy="108000"/>
+              </a:xfrm>
+              <a:prstGeom prst="star5">
+                <a:avLst/>
+              </a:prstGeom>
+            </p:spPr>
+            <p:style>
+              <a:lnRef idx="2">
+                <a:schemeClr val="accent1">
+                  <a:shade val="50000"/>
+                </a:schemeClr>
+              </a:lnRef>
+              <a:fillRef idx="1">
+                <a:schemeClr val="accent1"/>
+              </a:fillRef>
+              <a:effectRef idx="0">
+                <a:schemeClr val="accent1"/>
+              </a:effectRef>
+              <a:fontRef idx="minor">
+                <a:schemeClr val="lt1"/>
+              </a:fontRef>
+            </p:style>
+            <p:txBody>
+              <a:bodyPr rtlCol="0" anchor="ctr"/>
+              <a:lstStyle/>
+              <a:p>
+                <a:pPr algn="ctr"/>
+                <a:endParaRPr lang="en-US"/>
+              </a:p>
+            </p:txBody>
+          </p:sp>
+          <p:sp>
+            <p:nvSpPr>
+              <p:cNvPr id="96" name="5-Point Star 95"/>
+              <p:cNvSpPr/>
+              <p:nvPr/>
+            </p:nvSpPr>
+            <p:spPr>
+              <a:xfrm>
+                <a:off x="5961803" y="1776914"/>
+                <a:ext cx="108000" cy="108000"/>
+              </a:xfrm>
+              <a:prstGeom prst="star5">
+                <a:avLst/>
+              </a:prstGeom>
+            </p:spPr>
+            <p:style>
+              <a:lnRef idx="2">
+                <a:schemeClr val="accent1">
+                  <a:shade val="50000"/>
+                </a:schemeClr>
+              </a:lnRef>
+              <a:fillRef idx="1">
+                <a:schemeClr val="accent1"/>
+              </a:fillRef>
+              <a:effectRef idx="0">
+                <a:schemeClr val="accent1"/>
+              </a:effectRef>
+              <a:fontRef idx="minor">
+                <a:schemeClr val="lt1"/>
+              </a:fontRef>
+            </p:style>
+            <p:txBody>
+              <a:bodyPr rtlCol="0" anchor="ctr"/>
+              <a:lstStyle/>
+              <a:p>
+                <a:pPr algn="ctr"/>
+                <a:endParaRPr lang="en-US"/>
+              </a:p>
+            </p:txBody>
+          </p:sp>
+          <p:sp>
+            <p:nvSpPr>
+              <p:cNvPr id="36" name="Oval 35"/>
+              <p:cNvSpPr>
+                <a:spLocks noChangeAspect="1"/>
+              </p:cNvSpPr>
+              <p:nvPr/>
+            </p:nvSpPr>
+            <p:spPr>
+              <a:xfrm>
+                <a:off x="4282653" y="6386918"/>
+                <a:ext cx="108000" cy="108000"/>
+              </a:xfrm>
+              <a:prstGeom prst="ellipse">
+                <a:avLst/>
+              </a:prstGeom>
+            </p:spPr>
+            <p:style>
+              <a:lnRef idx="2">
+                <a:schemeClr val="accent1">
+                  <a:shade val="50000"/>
+                </a:schemeClr>
+              </a:lnRef>
+              <a:fillRef idx="1">
+                <a:schemeClr val="accent1"/>
+              </a:fillRef>
+              <a:effectRef idx="0">
+                <a:schemeClr val="accent1"/>
+              </a:effectRef>
+              <a:fontRef idx="minor">
+                <a:schemeClr val="lt1"/>
+              </a:fontRef>
+            </p:style>
+            <p:txBody>
+              <a:bodyPr rtlCol="0" anchor="ctr"/>
+              <a:lstStyle/>
+              <a:p>
+                <a:pPr algn="ctr"/>
+                <a:endParaRPr lang="en-US"/>
+              </a:p>
+            </p:txBody>
+          </p:sp>
+          <p:pic>
+            <p:nvPicPr>
+              <p:cNvPr id="42" name="Picture 41"/>
+              <p:cNvPicPr>
+                <a:picLocks noChangeAspect="1"/>
+              </p:cNvPicPr>
+              <p:nvPr/>
+            </p:nvPicPr>
+            <p:blipFill>
+              <a:blip r:embed="rId13"/>
+              <a:stretch>
+                <a:fillRect/>
+              </a:stretch>
+            </p:blipFill>
+            <p:spPr>
+              <a:xfrm>
+                <a:off x="4737537" y="6318731"/>
+                <a:ext cx="787400" cy="241300"/>
+              </a:xfrm>
+              <a:prstGeom prst="rect">
+                <a:avLst/>
+              </a:prstGeom>
+            </p:spPr>
+          </p:pic>
+          <p:pic>
+            <p:nvPicPr>
+              <p:cNvPr id="101" name="Picture 100"/>
+              <p:cNvPicPr>
+                <a:picLocks noChangeAspect="1"/>
+              </p:cNvPicPr>
+              <p:nvPr/>
+            </p:nvPicPr>
+            <p:blipFill>
+              <a:blip r:embed="rId14"/>
+              <a:stretch>
+                <a:fillRect/>
+              </a:stretch>
+            </p:blipFill>
+            <p:spPr>
+              <a:xfrm>
+                <a:off x="4768017" y="5821047"/>
+                <a:ext cx="673100" cy="177800"/>
+              </a:xfrm>
+              <a:prstGeom prst="rect">
+                <a:avLst/>
+              </a:prstGeom>
+            </p:spPr>
+          </p:pic>
+          <p:sp>
+            <p:nvSpPr>
+              <p:cNvPr id="102" name="5-Point Star 101"/>
+              <p:cNvSpPr/>
+              <p:nvPr/>
+            </p:nvSpPr>
+            <p:spPr>
+              <a:xfrm>
+                <a:off x="4294293" y="5838133"/>
+                <a:ext cx="108000" cy="108000"/>
+              </a:xfrm>
+              <a:prstGeom prst="star5">
+                <a:avLst/>
+              </a:prstGeom>
+            </p:spPr>
+            <p:style>
+              <a:lnRef idx="2">
+                <a:schemeClr val="accent1">
+                  <a:shade val="50000"/>
+                </a:schemeClr>
+              </a:lnRef>
+              <a:fillRef idx="1">
+                <a:schemeClr val="accent1"/>
+              </a:fillRef>
+              <a:effectRef idx="0">
+                <a:schemeClr val="accent1"/>
+              </a:effectRef>
+              <a:fontRef idx="minor">
+                <a:schemeClr val="lt1"/>
+              </a:fontRef>
+            </p:style>
+            <p:txBody>
+              <a:bodyPr rtlCol="0" anchor="ctr"/>
+              <a:lstStyle/>
+              <a:p>
+                <a:pPr algn="ctr"/>
+                <a:endParaRPr lang="en-US"/>
+              </a:p>
+            </p:txBody>
+          </p:sp>
+        </p:grpSp>
         <p:pic>
           <p:nvPicPr>
-            <p:cNvPr id="61" name="Picture 60"/>
-            <p:cNvPicPr>
-              <a:picLocks noChangeAspect="1"/>
-            </p:cNvPicPr>
-            <p:nvPr/>
-          </p:nvPicPr>
-          <p:blipFill>
-            <a:blip r:embed="rId2"/>
-            <a:stretch>
-              <a:fillRect/>
-            </a:stretch>
-          </p:blipFill>
-          <p:spPr>
-            <a:xfrm>
-              <a:off x="2143550" y="556170"/>
-              <a:ext cx="787400" cy="165100"/>
-            </a:xfrm>
-            <a:prstGeom prst="rect">
-              <a:avLst/>
-            </a:prstGeom>
-          </p:spPr>
-        </p:pic>
-        <p:sp>
-          <p:nvSpPr>
-            <p:cNvPr id="5" name="Oval 4"/>
-            <p:cNvSpPr>
-              <a:spLocks noChangeAspect="1"/>
-            </p:cNvSpPr>
-            <p:nvPr/>
-          </p:nvSpPr>
-          <p:spPr>
-            <a:xfrm>
-              <a:off x="4915154" y="776150"/>
-              <a:ext cx="108000" cy="108000"/>
-            </a:xfrm>
-            <a:prstGeom prst="ellipse">
-              <a:avLst/>
-            </a:prstGeom>
-          </p:spPr>
-          <p:style>
-            <a:lnRef idx="2">
-              <a:schemeClr val="accent1">
-                <a:shade val="50000"/>
-              </a:schemeClr>
-            </a:lnRef>
-            <a:fillRef idx="1">
-              <a:schemeClr val="accent1"/>
-            </a:fillRef>
-            <a:effectRef idx="0">
-              <a:schemeClr val="accent1"/>
-            </a:effectRef>
-            <a:fontRef idx="minor">
-              <a:schemeClr val="lt1"/>
-            </a:fontRef>
-          </p:style>
-          <p:txBody>
-            <a:bodyPr rtlCol="0" anchor="ctr"/>
-            <a:lstStyle/>
-            <a:p>
-              <a:pPr algn="ctr"/>
-              <a:endParaRPr lang="en-US"/>
-            </a:p>
-          </p:txBody>
-        </p:sp>
-        <p:pic>
-          <p:nvPicPr>
-            <p:cNvPr id="57" name="Picture 56"/>
-            <p:cNvPicPr>
-              <a:picLocks noChangeAspect="1"/>
-            </p:cNvPicPr>
-            <p:nvPr/>
-          </p:nvPicPr>
-          <p:blipFill>
-            <a:blip r:embed="rId3"/>
-            <a:stretch>
-              <a:fillRect/>
-            </a:stretch>
-          </p:blipFill>
-          <p:spPr>
-            <a:xfrm>
-              <a:off x="4742136" y="581570"/>
-              <a:ext cx="520700" cy="165100"/>
-            </a:xfrm>
-            <a:prstGeom prst="rect">
-              <a:avLst/>
-            </a:prstGeom>
-          </p:spPr>
-        </p:pic>
-        <p:pic>
-          <p:nvPicPr>
-            <p:cNvPr id="60" name="Picture 59"/>
-            <p:cNvPicPr>
-              <a:picLocks noChangeAspect="1"/>
-            </p:cNvPicPr>
-            <p:nvPr/>
-          </p:nvPicPr>
-          <p:blipFill>
-            <a:blip r:embed="rId4"/>
-            <a:stretch>
-              <a:fillRect/>
-            </a:stretch>
-          </p:blipFill>
-          <p:spPr>
-            <a:xfrm>
-              <a:off x="7118775" y="601545"/>
-              <a:ext cx="787400" cy="165100"/>
-            </a:xfrm>
-            <a:prstGeom prst="rect">
-              <a:avLst/>
-            </a:prstGeom>
-          </p:spPr>
-        </p:pic>
-        <p:sp>
-          <p:nvSpPr>
-            <p:cNvPr id="11" name="Oval 10"/>
-            <p:cNvSpPr>
-              <a:spLocks noChangeAspect="1"/>
-            </p:cNvSpPr>
-            <p:nvPr/>
-          </p:nvSpPr>
-          <p:spPr>
-            <a:xfrm>
-              <a:off x="2912950" y="4862755"/>
-              <a:ext cx="108000" cy="108000"/>
-            </a:xfrm>
-            <a:prstGeom prst="ellipse">
-              <a:avLst/>
-            </a:prstGeom>
-          </p:spPr>
-          <p:style>
-            <a:lnRef idx="2">
-              <a:schemeClr val="accent1">
-                <a:shade val="50000"/>
-              </a:schemeClr>
-            </a:lnRef>
-            <a:fillRef idx="1">
-              <a:schemeClr val="accent1"/>
-            </a:fillRef>
-            <a:effectRef idx="0">
-              <a:schemeClr val="accent1"/>
-            </a:effectRef>
-            <a:fontRef idx="minor">
-              <a:schemeClr val="lt1"/>
-            </a:fontRef>
-          </p:style>
-          <p:txBody>
-            <a:bodyPr rtlCol="0" anchor="ctr"/>
-            <a:lstStyle/>
-            <a:p>
-              <a:pPr algn="ctr"/>
-              <a:endParaRPr lang="en-US"/>
-            </a:p>
-          </p:txBody>
-        </p:sp>
-        <p:pic>
-          <p:nvPicPr>
-            <p:cNvPr id="63" name="Picture 62"/>
-            <p:cNvPicPr>
-              <a:picLocks noChangeAspect="1"/>
-            </p:cNvPicPr>
-            <p:nvPr/>
-          </p:nvPicPr>
-          <p:blipFill>
-            <a:blip r:embed="rId5"/>
-            <a:stretch>
-              <a:fillRect/>
-            </a:stretch>
-          </p:blipFill>
-          <p:spPr>
-            <a:xfrm>
-              <a:off x="2143550" y="4692954"/>
-              <a:ext cx="787400" cy="165100"/>
-            </a:xfrm>
-            <a:prstGeom prst="rect">
-              <a:avLst/>
-            </a:prstGeom>
-          </p:spPr>
-        </p:pic>
-        <p:sp>
-          <p:nvSpPr>
-            <p:cNvPr id="12" name="Oval 11"/>
-            <p:cNvSpPr>
-              <a:spLocks noChangeAspect="1"/>
-            </p:cNvSpPr>
-            <p:nvPr/>
-          </p:nvSpPr>
-          <p:spPr>
-            <a:xfrm>
-              <a:off x="4915154" y="4888155"/>
-              <a:ext cx="108000" cy="108000"/>
-            </a:xfrm>
-            <a:prstGeom prst="ellipse">
-              <a:avLst/>
-            </a:prstGeom>
-          </p:spPr>
-          <p:style>
-            <a:lnRef idx="2">
-              <a:schemeClr val="accent1">
-                <a:shade val="50000"/>
-              </a:schemeClr>
-            </a:lnRef>
-            <a:fillRef idx="1">
-              <a:schemeClr val="accent1"/>
-            </a:fillRef>
-            <a:effectRef idx="0">
-              <a:schemeClr val="accent1"/>
-            </a:effectRef>
-            <a:fontRef idx="minor">
-              <a:schemeClr val="lt1"/>
-            </a:fontRef>
-          </p:style>
-          <p:txBody>
-            <a:bodyPr rtlCol="0" anchor="ctr"/>
-            <a:lstStyle/>
-            <a:p>
-              <a:pPr algn="ctr"/>
-              <a:endParaRPr lang="en-US"/>
-            </a:p>
-          </p:txBody>
-        </p:sp>
-        <p:pic>
-          <p:nvPicPr>
-            <p:cNvPr id="64" name="Picture 63"/>
-            <p:cNvPicPr>
-              <a:picLocks noChangeAspect="1"/>
-            </p:cNvPicPr>
-            <p:nvPr/>
-          </p:nvPicPr>
-          <p:blipFill>
-            <a:blip r:embed="rId6"/>
-            <a:stretch>
-              <a:fillRect/>
-            </a:stretch>
-          </p:blipFill>
-          <p:spPr>
-            <a:xfrm>
-              <a:off x="4742136" y="4718354"/>
-              <a:ext cx="520700" cy="165100"/>
-            </a:xfrm>
-            <a:prstGeom prst="rect">
-              <a:avLst/>
-            </a:prstGeom>
-          </p:spPr>
-        </p:pic>
-        <p:sp>
-          <p:nvSpPr>
-            <p:cNvPr id="13" name="Oval 12"/>
-            <p:cNvSpPr>
-              <a:spLocks noChangeAspect="1"/>
-            </p:cNvSpPr>
-            <p:nvPr/>
-          </p:nvSpPr>
-          <p:spPr>
-            <a:xfrm>
-              <a:off x="6958622" y="4908130"/>
-              <a:ext cx="108000" cy="108000"/>
-            </a:xfrm>
-            <a:prstGeom prst="ellipse">
-              <a:avLst/>
-            </a:prstGeom>
-          </p:spPr>
-          <p:style>
-            <a:lnRef idx="2">
-              <a:schemeClr val="accent1">
-                <a:shade val="50000"/>
-              </a:schemeClr>
-            </a:lnRef>
-            <a:fillRef idx="1">
-              <a:schemeClr val="accent1"/>
-            </a:fillRef>
-            <a:effectRef idx="0">
-              <a:schemeClr val="accent1"/>
-            </a:effectRef>
-            <a:fontRef idx="minor">
-              <a:schemeClr val="lt1"/>
-            </a:fontRef>
-          </p:style>
-          <p:txBody>
-            <a:bodyPr rtlCol="0" anchor="ctr"/>
-            <a:lstStyle/>
-            <a:p>
-              <a:pPr algn="ctr"/>
-              <a:endParaRPr lang="en-US"/>
-            </a:p>
-          </p:txBody>
-        </p:sp>
-        <p:pic>
-          <p:nvPicPr>
-            <p:cNvPr id="65" name="Picture 64"/>
-            <p:cNvPicPr>
-              <a:picLocks noChangeAspect="1"/>
-            </p:cNvPicPr>
-            <p:nvPr/>
-          </p:nvPicPr>
-          <p:blipFill>
-            <a:blip r:embed="rId7"/>
-            <a:stretch>
-              <a:fillRect/>
-            </a:stretch>
-          </p:blipFill>
-          <p:spPr>
-            <a:xfrm>
-              <a:off x="7118775" y="4738329"/>
-              <a:ext cx="787400" cy="165100"/>
-            </a:xfrm>
-            <a:prstGeom prst="rect">
-              <a:avLst/>
-            </a:prstGeom>
-          </p:spPr>
-        </p:pic>
-        <p:sp>
-          <p:nvSpPr>
-            <p:cNvPr id="8" name="Oval 7"/>
-            <p:cNvSpPr>
-              <a:spLocks noChangeAspect="1"/>
-            </p:cNvSpPr>
-            <p:nvPr/>
-          </p:nvSpPr>
-          <p:spPr>
-            <a:xfrm>
-              <a:off x="2912950" y="2809154"/>
-              <a:ext cx="108000" cy="108000"/>
-            </a:xfrm>
-            <a:prstGeom prst="ellipse">
-              <a:avLst/>
-            </a:prstGeom>
-          </p:spPr>
-          <p:style>
-            <a:lnRef idx="2">
-              <a:schemeClr val="accent1">
-                <a:shade val="50000"/>
-              </a:schemeClr>
-            </a:lnRef>
-            <a:fillRef idx="1">
-              <a:schemeClr val="accent1"/>
-            </a:fillRef>
-            <a:effectRef idx="0">
-              <a:schemeClr val="accent1"/>
-            </a:effectRef>
-            <a:fontRef idx="minor">
-              <a:schemeClr val="lt1"/>
-            </a:fontRef>
-          </p:style>
-          <p:txBody>
-            <a:bodyPr rtlCol="0" anchor="ctr"/>
-            <a:lstStyle/>
-            <a:p>
-              <a:pPr algn="ctr"/>
-              <a:endParaRPr lang="en-US"/>
-            </a:p>
-          </p:txBody>
-        </p:sp>
-        <p:pic>
-          <p:nvPicPr>
-            <p:cNvPr id="62" name="Picture 61"/>
-            <p:cNvPicPr>
-              <a:picLocks noChangeAspect="1"/>
-            </p:cNvPicPr>
-            <p:nvPr/>
-          </p:nvPicPr>
-          <p:blipFill>
-            <a:blip r:embed="rId8"/>
-            <a:stretch>
-              <a:fillRect/>
-            </a:stretch>
-          </p:blipFill>
-          <p:spPr>
-            <a:xfrm>
-              <a:off x="2410250" y="2623240"/>
-              <a:ext cx="520700" cy="165100"/>
-            </a:xfrm>
-            <a:prstGeom prst="rect">
-              <a:avLst/>
-            </a:prstGeom>
-          </p:spPr>
-        </p:pic>
-        <p:sp>
-          <p:nvSpPr>
-            <p:cNvPr id="9" name="Oval 8"/>
-            <p:cNvSpPr>
-              <a:spLocks noChangeAspect="1"/>
-            </p:cNvSpPr>
-            <p:nvPr/>
-          </p:nvSpPr>
-          <p:spPr>
-            <a:xfrm>
-              <a:off x="4915154" y="2834554"/>
-              <a:ext cx="108000" cy="108000"/>
-            </a:xfrm>
-            <a:prstGeom prst="ellipse">
-              <a:avLst/>
-            </a:prstGeom>
-          </p:spPr>
-          <p:style>
-            <a:lnRef idx="2">
-              <a:schemeClr val="accent1">
-                <a:shade val="50000"/>
-              </a:schemeClr>
-            </a:lnRef>
-            <a:fillRef idx="1">
-              <a:schemeClr val="accent1"/>
-            </a:fillRef>
-            <a:effectRef idx="0">
-              <a:schemeClr val="accent1"/>
-            </a:effectRef>
-            <a:fontRef idx="minor">
-              <a:schemeClr val="lt1"/>
-            </a:fontRef>
-          </p:style>
-          <p:txBody>
-            <a:bodyPr rtlCol="0" anchor="ctr"/>
-            <a:lstStyle/>
-            <a:p>
-              <a:pPr algn="ctr"/>
-              <a:endParaRPr lang="en-US"/>
-            </a:p>
-          </p:txBody>
-        </p:sp>
-        <p:pic>
-          <p:nvPicPr>
-            <p:cNvPr id="58" name="Picture 57"/>
-            <p:cNvPicPr>
-              <a:picLocks noChangeAspect="1"/>
-            </p:cNvPicPr>
-            <p:nvPr/>
-          </p:nvPicPr>
-          <p:blipFill>
-            <a:blip r:embed="rId9"/>
-            <a:stretch>
-              <a:fillRect/>
-            </a:stretch>
-          </p:blipFill>
-          <p:spPr>
-            <a:xfrm>
-              <a:off x="4825956" y="2648640"/>
-              <a:ext cx="254000" cy="165100"/>
-            </a:xfrm>
-            <a:prstGeom prst="rect">
-              <a:avLst/>
-            </a:prstGeom>
-          </p:spPr>
-        </p:pic>
-        <p:sp>
-          <p:nvSpPr>
-            <p:cNvPr id="10" name="Oval 9"/>
-            <p:cNvSpPr>
-              <a:spLocks noChangeAspect="1"/>
-            </p:cNvSpPr>
-            <p:nvPr/>
-          </p:nvSpPr>
-          <p:spPr>
-            <a:xfrm>
-              <a:off x="6958622" y="2854529"/>
-              <a:ext cx="108000" cy="108000"/>
-            </a:xfrm>
-            <a:prstGeom prst="ellipse">
-              <a:avLst/>
-            </a:prstGeom>
-          </p:spPr>
-          <p:style>
-            <a:lnRef idx="2">
-              <a:schemeClr val="accent1">
-                <a:shade val="50000"/>
-              </a:schemeClr>
-            </a:lnRef>
-            <a:fillRef idx="1">
-              <a:schemeClr val="accent1"/>
-            </a:fillRef>
-            <a:effectRef idx="0">
-              <a:schemeClr val="accent1"/>
-            </a:effectRef>
-            <a:fontRef idx="minor">
-              <a:schemeClr val="lt1"/>
-            </a:fontRef>
-          </p:style>
-          <p:txBody>
-            <a:bodyPr rtlCol="0" anchor="ctr"/>
-            <a:lstStyle/>
-            <a:p>
-              <a:pPr algn="ctr"/>
-              <a:endParaRPr lang="en-US"/>
-            </a:p>
-          </p:txBody>
-        </p:sp>
-        <p:pic>
-          <p:nvPicPr>
-            <p:cNvPr id="66" name="Picture 65"/>
-            <p:cNvPicPr>
-              <a:picLocks noChangeAspect="1"/>
-            </p:cNvPicPr>
-            <p:nvPr/>
-          </p:nvPicPr>
-          <p:blipFill>
-            <a:blip r:embed="rId10"/>
-            <a:stretch>
-              <a:fillRect/>
-            </a:stretch>
-          </p:blipFill>
-          <p:spPr>
-            <a:xfrm>
-              <a:off x="7385475" y="2676063"/>
-              <a:ext cx="520700" cy="157652"/>
-            </a:xfrm>
-            <a:prstGeom prst="rect">
-              <a:avLst/>
-            </a:prstGeom>
-          </p:spPr>
-        </p:pic>
-        <p:cxnSp>
-          <p:nvCxnSpPr>
-            <p:cNvPr id="20" name="Straight Connector 19"/>
-            <p:cNvCxnSpPr>
-              <a:cxnSpLocks/>
-            </p:cNvCxnSpPr>
-            <p:nvPr/>
-          </p:nvCxnSpPr>
-          <p:spPr>
-            <a:xfrm flipV="1">
-              <a:off x="4967587" y="18932"/>
-              <a:ext cx="2880000" cy="2880000"/>
-            </a:xfrm>
-            <a:prstGeom prst="line">
-              <a:avLst/>
-            </a:prstGeom>
-            <a:ln>
-              <a:solidFill>
-                <a:schemeClr val="tx1"/>
-              </a:solidFill>
-              <a:prstDash val="dashDot"/>
-              <a:tailEnd type="arrow"/>
-            </a:ln>
-          </p:spPr>
-          <p:style>
-            <a:lnRef idx="1">
-              <a:schemeClr val="accent1"/>
-            </a:lnRef>
-            <a:fillRef idx="0">
-              <a:schemeClr val="accent1"/>
-            </a:fillRef>
-            <a:effectRef idx="0">
-              <a:schemeClr val="accent1"/>
-            </a:effectRef>
-            <a:fontRef idx="minor">
-              <a:schemeClr val="tx1"/>
-            </a:fontRef>
-          </p:style>
-        </p:cxnSp>
-        <p:cxnSp>
-          <p:nvCxnSpPr>
-            <p:cNvPr id="82" name="Straight Connector 81"/>
-            <p:cNvCxnSpPr>
-              <a:cxnSpLocks/>
-            </p:cNvCxnSpPr>
-            <p:nvPr/>
-          </p:nvCxnSpPr>
-          <p:spPr>
-            <a:xfrm>
-              <a:off x="4964985" y="2897788"/>
-              <a:ext cx="2880000" cy="2880000"/>
-            </a:xfrm>
-            <a:prstGeom prst="line">
-              <a:avLst/>
-            </a:prstGeom>
-            <a:ln>
-              <a:solidFill>
-                <a:schemeClr val="tx1"/>
-              </a:solidFill>
-              <a:prstDash val="dashDot"/>
-              <a:tailEnd type="arrow"/>
-            </a:ln>
-          </p:spPr>
-          <p:style>
-            <a:lnRef idx="1">
-              <a:schemeClr val="accent1"/>
-            </a:lnRef>
-            <a:fillRef idx="0">
-              <a:schemeClr val="accent1"/>
-            </a:fillRef>
-            <a:effectRef idx="0">
-              <a:schemeClr val="accent1"/>
-            </a:effectRef>
-            <a:fontRef idx="minor">
-              <a:schemeClr val="tx1"/>
-            </a:fontRef>
-          </p:style>
-        </p:cxnSp>
-        <p:pic>
-          <p:nvPicPr>
-            <p:cNvPr id="83" name="Picture 82"/>
-            <p:cNvPicPr>
-              <a:picLocks noChangeAspect="1"/>
-            </p:cNvPicPr>
-            <p:nvPr/>
-          </p:nvPicPr>
-          <p:blipFill>
-            <a:blip r:embed="rId11"/>
-            <a:stretch>
-              <a:fillRect/>
-            </a:stretch>
-          </p:blipFill>
-          <p:spPr>
-            <a:xfrm>
-              <a:off x="7743385" y="134667"/>
-              <a:ext cx="203200" cy="203200"/>
-            </a:xfrm>
-            <a:prstGeom prst="rect">
-              <a:avLst/>
-            </a:prstGeom>
-          </p:spPr>
-        </p:pic>
-        <p:pic>
-          <p:nvPicPr>
-            <p:cNvPr id="84" name="Picture 83"/>
-            <p:cNvPicPr>
-              <a:picLocks noChangeAspect="1"/>
-            </p:cNvPicPr>
-            <p:nvPr/>
-          </p:nvPicPr>
-          <p:blipFill>
-            <a:blip r:embed="rId12"/>
-            <a:stretch>
-              <a:fillRect/>
-            </a:stretch>
-          </p:blipFill>
-          <p:spPr>
-            <a:xfrm>
-              <a:off x="7482754" y="5634933"/>
-              <a:ext cx="177800" cy="203200"/>
-            </a:xfrm>
-            <a:prstGeom prst="rect">
-              <a:avLst/>
-            </a:prstGeom>
-          </p:spPr>
-        </p:pic>
-        <p:sp>
-          <p:nvSpPr>
-            <p:cNvPr id="86" name="5-Point Star 85"/>
-            <p:cNvSpPr/>
-            <p:nvPr/>
-          </p:nvSpPr>
-          <p:spPr>
-            <a:xfrm>
-              <a:off x="3868843" y="1776914"/>
-              <a:ext cx="108000" cy="108000"/>
-            </a:xfrm>
-            <a:prstGeom prst="star5">
-              <a:avLst/>
-            </a:prstGeom>
-          </p:spPr>
-          <p:style>
-            <a:lnRef idx="2">
-              <a:schemeClr val="accent1">
-                <a:shade val="50000"/>
-              </a:schemeClr>
-            </a:lnRef>
-            <a:fillRef idx="1">
-              <a:schemeClr val="accent1"/>
-            </a:fillRef>
-            <a:effectRef idx="0">
-              <a:schemeClr val="accent1"/>
-            </a:effectRef>
-            <a:fontRef idx="minor">
-              <a:schemeClr val="lt1"/>
-            </a:fontRef>
-          </p:style>
-          <p:txBody>
-            <a:bodyPr rtlCol="0" anchor="ctr"/>
-            <a:lstStyle/>
-            <a:p>
-              <a:pPr algn="ctr"/>
-              <a:endParaRPr lang="en-US"/>
-            </a:p>
-          </p:txBody>
-        </p:sp>
-        <p:sp>
-          <p:nvSpPr>
-            <p:cNvPr id="94" name="5-Point Star 93"/>
-            <p:cNvSpPr/>
-            <p:nvPr/>
-          </p:nvSpPr>
-          <p:spPr>
-            <a:xfrm>
-              <a:off x="3868843" y="3819074"/>
-              <a:ext cx="108000" cy="108000"/>
-            </a:xfrm>
-            <a:prstGeom prst="star5">
-              <a:avLst/>
-            </a:prstGeom>
-          </p:spPr>
-          <p:style>
-            <a:lnRef idx="2">
-              <a:schemeClr val="accent1">
-                <a:shade val="50000"/>
-              </a:schemeClr>
-            </a:lnRef>
-            <a:fillRef idx="1">
-              <a:schemeClr val="accent1"/>
-            </a:fillRef>
-            <a:effectRef idx="0">
-              <a:schemeClr val="accent1"/>
-            </a:effectRef>
-            <a:fontRef idx="minor">
-              <a:schemeClr val="lt1"/>
-            </a:fontRef>
-          </p:style>
-          <p:txBody>
-            <a:bodyPr rtlCol="0" anchor="ctr"/>
-            <a:lstStyle/>
-            <a:p>
-              <a:pPr algn="ctr"/>
-              <a:endParaRPr lang="en-US"/>
-            </a:p>
-          </p:txBody>
-        </p:sp>
-        <p:sp>
-          <p:nvSpPr>
-            <p:cNvPr id="95" name="5-Point Star 94"/>
-            <p:cNvSpPr/>
-            <p:nvPr/>
-          </p:nvSpPr>
-          <p:spPr>
-            <a:xfrm>
-              <a:off x="5961803" y="3819074"/>
-              <a:ext cx="108000" cy="108000"/>
-            </a:xfrm>
-            <a:prstGeom prst="star5">
-              <a:avLst/>
-            </a:prstGeom>
-          </p:spPr>
-          <p:style>
-            <a:lnRef idx="2">
-              <a:schemeClr val="accent1">
-                <a:shade val="50000"/>
-              </a:schemeClr>
-            </a:lnRef>
-            <a:fillRef idx="1">
-              <a:schemeClr val="accent1"/>
-            </a:fillRef>
-            <a:effectRef idx="0">
-              <a:schemeClr val="accent1"/>
-            </a:effectRef>
-            <a:fontRef idx="minor">
-              <a:schemeClr val="lt1"/>
-            </a:fontRef>
-          </p:style>
-          <p:txBody>
-            <a:bodyPr rtlCol="0" anchor="ctr"/>
-            <a:lstStyle/>
-            <a:p>
-              <a:pPr algn="ctr"/>
-              <a:endParaRPr lang="en-US"/>
-            </a:p>
-          </p:txBody>
-        </p:sp>
-        <p:sp>
-          <p:nvSpPr>
-            <p:cNvPr id="96" name="5-Point Star 95"/>
-            <p:cNvSpPr/>
-            <p:nvPr/>
-          </p:nvSpPr>
-          <p:spPr>
-            <a:xfrm>
-              <a:off x="5961803" y="1776914"/>
-              <a:ext cx="108000" cy="108000"/>
-            </a:xfrm>
-            <a:prstGeom prst="star5">
-              <a:avLst/>
-            </a:prstGeom>
-          </p:spPr>
-          <p:style>
-            <a:lnRef idx="2">
-              <a:schemeClr val="accent1">
-                <a:shade val="50000"/>
-              </a:schemeClr>
-            </a:lnRef>
-            <a:fillRef idx="1">
-              <a:schemeClr val="accent1"/>
-            </a:fillRef>
-            <a:effectRef idx="0">
-              <a:schemeClr val="accent1"/>
-            </a:effectRef>
-            <a:fontRef idx="minor">
-              <a:schemeClr val="lt1"/>
-            </a:fontRef>
-          </p:style>
-          <p:txBody>
-            <a:bodyPr rtlCol="0" anchor="ctr"/>
-            <a:lstStyle/>
-            <a:p>
-              <a:pPr algn="ctr"/>
-              <a:endParaRPr lang="en-US"/>
-            </a:p>
-          </p:txBody>
-        </p:sp>
-        <p:pic>
-          <p:nvPicPr>
-            <p:cNvPr id="87" name="Picture 86"/>
-            <p:cNvPicPr>
-              <a:picLocks noChangeAspect="1"/>
-            </p:cNvPicPr>
-            <p:nvPr/>
-          </p:nvPicPr>
-          <p:blipFill>
-            <a:blip r:embed="rId13"/>
-            <a:stretch>
-              <a:fillRect/>
-            </a:stretch>
-          </p:blipFill>
-          <p:spPr>
-            <a:xfrm>
-              <a:off x="3437560" y="1594269"/>
-              <a:ext cx="825500" cy="190500"/>
-            </a:xfrm>
-            <a:prstGeom prst="rect">
-              <a:avLst/>
-            </a:prstGeom>
-          </p:spPr>
-        </p:pic>
-        <p:pic>
-          <p:nvPicPr>
-            <p:cNvPr id="97" name="Picture 96"/>
-            <p:cNvPicPr>
-              <a:picLocks noChangeAspect="1"/>
-            </p:cNvPicPr>
-            <p:nvPr/>
-          </p:nvPicPr>
-          <p:blipFill>
-            <a:blip r:embed="rId14"/>
-            <a:stretch>
-              <a:fillRect/>
-            </a:stretch>
-          </p:blipFill>
-          <p:spPr>
-            <a:xfrm>
-              <a:off x="5697979" y="1607848"/>
-              <a:ext cx="825500" cy="190500"/>
-            </a:xfrm>
-            <a:prstGeom prst="rect">
-              <a:avLst/>
-            </a:prstGeom>
-          </p:spPr>
-        </p:pic>
-        <p:pic>
-          <p:nvPicPr>
-            <p:cNvPr id="98" name="Picture 97"/>
+            <p:cNvPr id="2" name="Picture 1"/>
             <p:cNvPicPr>
               <a:picLocks noChangeAspect="1"/>
             </p:cNvPicPr>
@@ -5763,7 +5865,7 @@
           </p:blipFill>
           <p:spPr>
             <a:xfrm>
-              <a:off x="5685279" y="3638632"/>
+              <a:off x="3472364" y="3670554"/>
               <a:ext cx="825500" cy="190500"/>
             </a:xfrm>
             <a:prstGeom prst="rect">
@@ -5773,7 +5875,7 @@
         </p:pic>
         <p:pic>
           <p:nvPicPr>
-            <p:cNvPr id="99" name="Picture 98"/>
+            <p:cNvPr id="3" name="Picture 2"/>
             <p:cNvPicPr>
               <a:picLocks noChangeAspect="1"/>
             </p:cNvPicPr>
@@ -5787,7 +5889,7 @@
           </p:blipFill>
           <p:spPr>
             <a:xfrm>
-              <a:off x="3468793" y="3650882"/>
+              <a:off x="3437560" y="1601172"/>
               <a:ext cx="825500" cy="190500"/>
             </a:xfrm>
             <a:prstGeom prst="rect">
@@ -5795,51 +5897,9 @@
             </a:prstGeom>
           </p:spPr>
         </p:pic>
-        <p:sp>
-          <p:nvSpPr>
-            <p:cNvPr id="36" name="Oval 35"/>
-            <p:cNvSpPr>
-              <a:spLocks noChangeAspect="1"/>
-            </p:cNvSpPr>
-            <p:nvPr/>
-          </p:nvSpPr>
-          <p:spPr>
-            <a:xfrm>
-              <a:off x="4282653" y="6386918"/>
-              <a:ext cx="108000" cy="108000"/>
-            </a:xfrm>
-            <a:prstGeom prst="ellipse">
-              <a:avLst/>
-            </a:prstGeom>
-          </p:spPr>
-          <p:style>
-            <a:lnRef idx="2">
-              <a:schemeClr val="accent1">
-                <a:shade val="50000"/>
-              </a:schemeClr>
-            </a:lnRef>
-            <a:fillRef idx="1">
-              <a:schemeClr val="accent1"/>
-            </a:fillRef>
-            <a:effectRef idx="0">
-              <a:schemeClr val="accent1"/>
-            </a:effectRef>
-            <a:fontRef idx="minor">
-              <a:schemeClr val="lt1"/>
-            </a:fontRef>
-          </p:style>
-          <p:txBody>
-            <a:bodyPr rtlCol="0" anchor="ctr"/>
-            <a:lstStyle/>
-            <a:p>
-              <a:pPr algn="ctr"/>
-              <a:endParaRPr lang="en-US"/>
-            </a:p>
-          </p:txBody>
-        </p:sp>
         <p:pic>
           <p:nvPicPr>
-            <p:cNvPr id="42" name="Picture 41"/>
+            <p:cNvPr id="7" name="Picture 6"/>
             <p:cNvPicPr>
               <a:picLocks noChangeAspect="1"/>
             </p:cNvPicPr>
@@ -5853,8 +5913,8 @@
           </p:blipFill>
           <p:spPr>
             <a:xfrm>
-              <a:off x="4737537" y="6318731"/>
-              <a:ext cx="787400" cy="241300"/>
+              <a:off x="5687819" y="1576233"/>
+              <a:ext cx="825500" cy="190500"/>
             </a:xfrm>
             <a:prstGeom prst="rect">
               <a:avLst/>
@@ -5863,7 +5923,7 @@
         </p:pic>
         <p:pic>
           <p:nvPicPr>
-            <p:cNvPr id="101" name="Picture 100"/>
+            <p:cNvPr id="14" name="Picture 13"/>
             <p:cNvPicPr>
               <a:picLocks noChangeAspect="1"/>
             </p:cNvPicPr>
@@ -5877,54 +5937,14 @@
           </p:blipFill>
           <p:spPr>
             <a:xfrm>
-              <a:off x="4768017" y="5821047"/>
-              <a:ext cx="673100" cy="177800"/>
+              <a:off x="5683250" y="3618230"/>
+              <a:ext cx="825500" cy="190500"/>
             </a:xfrm>
             <a:prstGeom prst="rect">
               <a:avLst/>
             </a:prstGeom>
           </p:spPr>
         </p:pic>
-        <p:sp>
-          <p:nvSpPr>
-            <p:cNvPr id="102" name="5-Point Star 101"/>
-            <p:cNvSpPr/>
-            <p:nvPr/>
-          </p:nvSpPr>
-          <p:spPr>
-            <a:xfrm>
-              <a:off x="4294293" y="5838133"/>
-              <a:ext cx="108000" cy="108000"/>
-            </a:xfrm>
-            <a:prstGeom prst="star5">
-              <a:avLst/>
-            </a:prstGeom>
-          </p:spPr>
-          <p:style>
-            <a:lnRef idx="2">
-              <a:schemeClr val="accent1">
-                <a:shade val="50000"/>
-              </a:schemeClr>
-            </a:lnRef>
-            <a:fillRef idx="1">
-              <a:schemeClr val="accent1"/>
-            </a:fillRef>
-            <a:effectRef idx="0">
-              <a:schemeClr val="accent1"/>
-            </a:effectRef>
-            <a:fontRef idx="minor">
-              <a:schemeClr val="lt1"/>
-            </a:fontRef>
-          </p:style>
-          <p:txBody>
-            <a:bodyPr rtlCol="0" anchor="ctr"/>
-            <a:lstStyle/>
-            <a:p>
-              <a:pPr algn="ctr"/>
-              <a:endParaRPr lang="en-US"/>
-            </a:p>
-          </p:txBody>
-        </p:sp>
       </p:grpSp>
     </p:spTree>
     <p:extLst>
